--- a/#00 - Material de Apoio/00 - Fundamentos de C#/03 - IDE/PPTs/01 - IDE.pptx
+++ b/#00 - Material de Apoio/00 - Fundamentos de C#/03 - IDE/PPTs/01 - IDE.pptx
@@ -5,7 +5,7 @@
     <p:sldMasterId id="2147483648" r:id="rId1"/>
   </p:sldMasterIdLst>
   <p:notesMasterIdLst>
-    <p:notesMasterId r:id="rId17"/>
+    <p:notesMasterId r:id="rId16"/>
   </p:notesMasterIdLst>
   <p:sldIdLst>
     <p:sldId id="256" r:id="rId2"/>
@@ -14,15 +14,14 @@
     <p:sldId id="262" r:id="rId5"/>
     <p:sldId id="263" r:id="rId6"/>
     <p:sldId id="264" r:id="rId7"/>
-    <p:sldId id="265" r:id="rId8"/>
-    <p:sldId id="266" r:id="rId9"/>
-    <p:sldId id="267" r:id="rId10"/>
-    <p:sldId id="268" r:id="rId11"/>
-    <p:sldId id="269" r:id="rId12"/>
-    <p:sldId id="270" r:id="rId13"/>
-    <p:sldId id="273" r:id="rId14"/>
-    <p:sldId id="271" r:id="rId15"/>
-    <p:sldId id="260" r:id="rId16"/>
+    <p:sldId id="266" r:id="rId8"/>
+    <p:sldId id="267" r:id="rId9"/>
+    <p:sldId id="268" r:id="rId10"/>
+    <p:sldId id="269" r:id="rId11"/>
+    <p:sldId id="270" r:id="rId12"/>
+    <p:sldId id="273" r:id="rId13"/>
+    <p:sldId id="271" r:id="rId14"/>
+    <p:sldId id="260" r:id="rId15"/>
   </p:sldIdLst>
   <p:sldSz cx="18288000" cy="10287000"/>
   <p:notesSz cx="18288000" cy="10287000"/>
@@ -206,7 +205,7 @@
           <a:p>
             <a:fld id="{139EEEC3-02C9-4141-B0CF-4C776CBE4D81}" type="datetimeFigureOut">
               <a:rPr lang="pt-BR" smtClean="0"/>
-              <a:t>15/03/2021</a:t>
+              <a:t>18/03/2021</a:t>
             </a:fld>
             <a:endParaRPr lang="pt-BR"/>
           </a:p>
@@ -613,7 +612,7 @@
           <a:p>
             <a:fld id="{1D8BD707-D9CF-40AE-B4C6-C98DA3205C09}" type="datetimeFigureOut">
               <a:rPr lang="en-US"/>
-              <a:t>3/15/2021</a:t>
+              <a:t>3/18/2021</a:t>
             </a:fld>
             <a:endParaRPr lang="en-US"/>
           </a:p>
@@ -784,7 +783,7 @@
           <a:p>
             <a:fld id="{1D8BD707-D9CF-40AE-B4C6-C98DA3205C09}" type="datetimeFigureOut">
               <a:rPr lang="en-US"/>
-              <a:t>3/15/2021</a:t>
+              <a:t>3/18/2021</a:t>
             </a:fld>
             <a:endParaRPr lang="en-US"/>
           </a:p>
@@ -998,7 +997,7 @@
           <a:p>
             <a:fld id="{1D8BD707-D9CF-40AE-B4C6-C98DA3205C09}" type="datetimeFigureOut">
               <a:rPr lang="en-US"/>
-              <a:t>3/15/2021</a:t>
+              <a:t>3/18/2021</a:t>
             </a:fld>
             <a:endParaRPr lang="en-US"/>
           </a:p>
@@ -1241,7 +1240,7 @@
           <a:p>
             <a:fld id="{1D8BD707-D9CF-40AE-B4C6-C98DA3205C09}" type="datetimeFigureOut">
               <a:rPr lang="en-US"/>
-              <a:t>3/15/2021</a:t>
+              <a:t>3/18/2021</a:t>
             </a:fld>
             <a:endParaRPr lang="en-US"/>
           </a:p>
@@ -1360,7 +1359,7 @@
           <a:p>
             <a:fld id="{1D8BD707-D9CF-40AE-B4C6-C98DA3205C09}" type="datetimeFigureOut">
               <a:rPr lang="en-US"/>
-              <a:t>3/15/2021</a:t>
+              <a:t>3/18/2021</a:t>
             </a:fld>
             <a:endParaRPr lang="en-US"/>
           </a:p>
@@ -1695,7 +1694,7 @@
           <a:p>
             <a:fld id="{1D8BD707-D9CF-40AE-B4C6-C98DA3205C09}" type="datetimeFigureOut">
               <a:rPr lang="en-US"/>
-              <a:t>3/15/2021</a:t>
+              <a:t>3/18/2021</a:t>
             </a:fld>
             <a:endParaRPr lang="en-US"/>
           </a:p>
@@ -2406,7 +2405,7 @@
         <p:spPr>
           <a:xfrm>
             <a:off x="1179677" y="2247900"/>
-            <a:ext cx="15559939" cy="3769622"/>
+            <a:ext cx="15559939" cy="4949432"/>
           </a:xfrm>
           <a:prstGeom prst="rect">
             <a:avLst/>
@@ -2444,7 +2443,7 @@
                 <a:latin typeface="Arial"/>
                 <a:cs typeface="Arial"/>
               </a:rPr>
-              <a:t>Tipos de projetos:</a:t>
+              <a:t>Debug:</a:t>
             </a:r>
           </a:p>
           <a:p>
@@ -2456,98 +2455,49 @@
               <a:buChar char="§"/>
             </a:pPr>
             <a:r>
-              <a:rPr lang="pt-BR" sz="4000" b="1" kern="0" spc="180" dirty="0" smtClean="0">
+              <a:rPr lang="pt-BR" sz="4000" b="1" kern="0" spc="180" dirty="0">
                 <a:solidFill>
                   <a:schemeClr val="tx1"/>
                 </a:solidFill>
                 <a:latin typeface="Arial"/>
                 <a:cs typeface="Arial"/>
               </a:rPr>
-              <a:t>Web</a:t>
+              <a:t>O debug (ou </a:t>
             </a:r>
-          </a:p>
-          <a:p>
-            <a:pPr marL="584200" indent="-571500" algn="just">
-              <a:spcBef>
-                <a:spcPts val="95"/>
-              </a:spcBef>
-              <a:buFont typeface="Wingdings" panose="05000000000000000000" pitchFamily="2" charset="2"/>
-              <a:buChar char="§"/>
-            </a:pPr>
             <a:r>
-              <a:rPr lang="pt-BR" sz="4000" b="1" kern="0" spc="180" dirty="0" smtClean="0">
+              <a:rPr lang="pt-BR" sz="4000" b="1" kern="0" spc="180" dirty="0" err="1">
                 <a:solidFill>
                   <a:schemeClr val="tx1"/>
                 </a:solidFill>
                 <a:latin typeface="Arial"/>
                 <a:cs typeface="Arial"/>
               </a:rPr>
-              <a:t>Desktop</a:t>
+              <a:t>debugging</a:t>
             </a:r>
-          </a:p>
-          <a:p>
-            <a:pPr marL="584200" indent="-571500" algn="just">
-              <a:spcBef>
-                <a:spcPts val="95"/>
-              </a:spcBef>
-              <a:buFont typeface="Wingdings" panose="05000000000000000000" pitchFamily="2" charset="2"/>
-              <a:buChar char="§"/>
-            </a:pPr>
             <a:r>
-              <a:rPr lang="pt-BR" sz="4000" b="1" kern="0" spc="180" dirty="0" smtClean="0">
+              <a:rPr lang="pt-BR" sz="4000" b="1" kern="0" spc="180" dirty="0">
                 <a:solidFill>
                   <a:schemeClr val="tx1"/>
                 </a:solidFill>
                 <a:latin typeface="Arial"/>
                 <a:cs typeface="Arial"/>
               </a:rPr>
-              <a:t>Mobile</a:t>
+              <a:t>) é um processo voltado para identificar e remover qualquer tipo de erro existente no código-fonte de um programa. A partir da análise da estrutura do sistema, os erros de digitação e problemas como funções mal estruturadas podem ser rastreados. Assim, quem está criando a aplicação consegue identificar e corrigir problemas com mais precisão.</a:t>
             </a:r>
-          </a:p>
-          <a:p>
-            <a:pPr marL="584200" indent="-571500" algn="just">
-              <a:spcBef>
-                <a:spcPts val="95"/>
-              </a:spcBef>
-              <a:buFont typeface="Wingdings" panose="05000000000000000000" pitchFamily="2" charset="2"/>
-              <a:buChar char="§"/>
-            </a:pPr>
-            <a:r>
-              <a:rPr lang="pt-BR" sz="4000" b="1" kern="0" spc="180" dirty="0" smtClean="0">
-                <a:solidFill>
-                  <a:schemeClr val="tx1"/>
-                </a:solidFill>
-                <a:latin typeface="Arial"/>
-                <a:cs typeface="Arial"/>
-              </a:rPr>
-              <a:t>Híbridos, etc...</a:t>
-            </a:r>
-          </a:p>
-          <a:p>
-            <a:pPr marL="584200" indent="-571500" algn="just">
-              <a:spcBef>
-                <a:spcPts val="95"/>
-              </a:spcBef>
-              <a:buFont typeface="Wingdings" panose="05000000000000000000" pitchFamily="2" charset="2"/>
-              <a:buChar char="§"/>
-            </a:pPr>
-            <a:r>
-              <a:rPr lang="pt-BR" sz="4000" b="1" kern="0" spc="180" dirty="0" smtClean="0">
-                <a:solidFill>
-                  <a:schemeClr val="tx1"/>
-                </a:solidFill>
-                <a:latin typeface="Arial"/>
-                <a:cs typeface="Arial"/>
-              </a:rPr>
-              <a:t>Várias Linguagens</a:t>
-            </a:r>
+            <a:endParaRPr lang="pt-BR" sz="4000" b="1" kern="0" spc="180" dirty="0" smtClean="0">
+              <a:solidFill>
+                <a:schemeClr val="tx1"/>
+              </a:solidFill>
+              <a:latin typeface="Arial"/>
+              <a:cs typeface="Arial"/>
+            </a:endParaRPr>
           </a:p>
         </p:txBody>
       </p:sp>
     </p:spTree>
     <p:extLst>
       <p:ext uri="{BB962C8B-B14F-4D97-AF65-F5344CB8AC3E}">
-        <p14:creationId xmlns:p14="http://schemas.microsoft.com/office/powerpoint/2010/main" val="676254545"/>
+        <p14:creationId xmlns:p14="http://schemas.microsoft.com/office/powerpoint/2010/main" val="1062930612"/>
       </p:ext>
     </p:extLst>
   </p:cSld>
@@ -2811,7 +2761,7 @@
         <p:spPr>
           <a:xfrm>
             <a:off x="1179677" y="2247900"/>
-            <a:ext cx="15559939" cy="4949432"/>
+            <a:ext cx="15559939" cy="3756798"/>
           </a:xfrm>
           <a:prstGeom prst="rect">
             <a:avLst/>
@@ -2861,24 +2811,71 @@
               <a:buChar char="§"/>
             </a:pPr>
             <a:r>
-              <a:rPr lang="pt-BR" sz="4000" b="1" kern="0" spc="180" dirty="0">
+              <a:rPr lang="pt-BR" sz="4000" b="1" kern="0" spc="180" dirty="0" smtClean="0">
                 <a:solidFill>
                   <a:schemeClr val="tx1"/>
                 </a:solidFill>
                 <a:latin typeface="Arial"/>
                 <a:cs typeface="Arial"/>
               </a:rPr>
-              <a:t>O debug (ou </a:t>
+              <a:t>Alguns passos básicos:</a:t>
             </a:r>
+          </a:p>
+          <a:p>
+            <a:pPr marL="584200" indent="-571500" algn="just">
+              <a:spcBef>
+                <a:spcPts val="95"/>
+              </a:spcBef>
+              <a:buFont typeface="Wingdings" panose="05000000000000000000" pitchFamily="2" charset="2"/>
+              <a:buChar char="§"/>
+            </a:pPr>
             <a:r>
-              <a:rPr lang="pt-BR" sz="4000" b="1" kern="0" spc="180" dirty="0" err="1">
+              <a:rPr lang="pt-BR" sz="4000" b="1" kern="0" spc="180" dirty="0" smtClean="0">
                 <a:solidFill>
                   <a:schemeClr val="tx1"/>
                 </a:solidFill>
                 <a:latin typeface="Arial"/>
                 <a:cs typeface="Arial"/>
               </a:rPr>
-              <a:t>debugging</a:t>
+              <a:t>F9   - Selecionar um ponto de parada.</a:t>
+            </a:r>
+          </a:p>
+          <a:p>
+            <a:pPr marL="584200" indent="-571500" algn="just">
+              <a:spcBef>
+                <a:spcPts val="95"/>
+              </a:spcBef>
+              <a:buFont typeface="Wingdings" panose="05000000000000000000" pitchFamily="2" charset="2"/>
+              <a:buChar char="§"/>
+            </a:pPr>
+            <a:r>
+              <a:rPr lang="pt-BR" sz="4000" b="1" kern="0" spc="180" dirty="0" smtClean="0">
+                <a:solidFill>
+                  <a:schemeClr val="tx1"/>
+                </a:solidFill>
+                <a:latin typeface="Arial"/>
+                <a:cs typeface="Arial"/>
+              </a:rPr>
+              <a:t>F10 - Executa a linha atual e pula para próxima linha.</a:t>
+            </a:r>
+          </a:p>
+          <a:p>
+            <a:pPr marL="584200" indent="-571500" algn="just">
+              <a:spcBef>
+                <a:spcPts val="95"/>
+              </a:spcBef>
+              <a:buFont typeface="Wingdings" panose="05000000000000000000" pitchFamily="2" charset="2"/>
+              <a:buChar char="§"/>
+            </a:pPr>
+            <a:r>
+              <a:rPr lang="pt-BR" sz="4000" b="1" kern="0" spc="180" dirty="0" smtClean="0">
+                <a:solidFill>
+                  <a:schemeClr val="tx1"/>
+                </a:solidFill>
+                <a:latin typeface="Arial"/>
+                <a:cs typeface="Arial"/>
+              </a:rPr>
+              <a:t>F11 - </a:t>
             </a:r>
             <a:r>
               <a:rPr lang="pt-BR" sz="4000" b="1" kern="0" spc="180" dirty="0">
@@ -2888,22 +2885,25 @@
                 <a:latin typeface="Arial"/>
                 <a:cs typeface="Arial"/>
               </a:rPr>
-              <a:t>) é um processo voltado para identificar e remover qualquer tipo de erro existente no código-fonte de um programa. A partir da análise da estrutura do sistema, os erros de digitação e problemas como funções mal estruturadas podem ser rastreados. Assim, quem está criando a aplicação consegue identificar e corrigir problemas com mais precisão.</a:t>
+              <a:t>Executa a linha atual e pula para próxima </a:t>
             </a:r>
-            <a:endParaRPr lang="pt-BR" sz="4000" b="1" kern="0" spc="180" dirty="0" smtClean="0">
-              <a:solidFill>
-                <a:schemeClr val="tx1"/>
-              </a:solidFill>
-              <a:latin typeface="Arial"/>
-              <a:cs typeface="Arial"/>
-            </a:endParaRPr>
+            <a:r>
+              <a:rPr lang="pt-BR" sz="4000" b="1" kern="0" spc="180" dirty="0" smtClean="0">
+                <a:solidFill>
+                  <a:schemeClr val="tx1"/>
+                </a:solidFill>
+                <a:latin typeface="Arial"/>
+                <a:cs typeface="Arial"/>
+              </a:rPr>
+              <a:t>linha ou entra em funções, etc...</a:t>
+            </a:r>
           </a:p>
         </p:txBody>
       </p:sp>
     </p:spTree>
     <p:extLst>
       <p:ext uri="{BB962C8B-B14F-4D97-AF65-F5344CB8AC3E}">
-        <p14:creationId xmlns:p14="http://schemas.microsoft.com/office/powerpoint/2010/main" val="1062930612"/>
+        <p14:creationId xmlns:p14="http://schemas.microsoft.com/office/powerpoint/2010/main" val="412287554"/>
       </p:ext>
     </p:extLst>
   </p:cSld>
@@ -3111,412 +3111,6 @@
         <p:spPr>
           <a:xfrm>
             <a:off x="838200" y="706068"/>
-            <a:ext cx="13715899" cy="943848"/>
-          </a:xfrm>
-          <a:prstGeom prst="rect">
-            <a:avLst/>
-          </a:prstGeom>
-        </p:spPr>
-        <p:txBody>
-          <a:bodyPr vert="horz" wrap="square" lIns="0" tIns="12700" rIns="0" bIns="0" rtlCol="0">
-            <a:spAutoFit/>
-          </a:bodyPr>
-          <a:lstStyle>
-            <a:lvl1pPr>
-              <a:defRPr sz="12200" b="0" i="0">
-                <a:solidFill>
-                  <a:schemeClr val="bg1"/>
-                </a:solidFill>
-                <a:latin typeface="Lucida Sans Unicode"/>
-                <a:ea typeface="+mj-ea"/>
-                <a:cs typeface="Lucida Sans Unicode"/>
-              </a:defRPr>
-            </a:lvl1pPr>
-          </a:lstStyle>
-          <a:p>
-            <a:pPr marL="12700">
-              <a:spcBef>
-                <a:spcPts val="100"/>
-              </a:spcBef>
-            </a:pPr>
-            <a:r>
-              <a:rPr lang="pt-BR" sz="6050" b="1" kern="0" spc="270" dirty="0" smtClean="0">
-                <a:solidFill>
-                  <a:srgbClr val="69EB00"/>
-                </a:solidFill>
-                <a:latin typeface="Arial"/>
-                <a:cs typeface="Arial"/>
-              </a:rPr>
-              <a:t>IDE</a:t>
-            </a:r>
-            <a:endParaRPr lang="pt-BR" sz="6050" kern="0" dirty="0">
-              <a:latin typeface="Arial"/>
-              <a:cs typeface="Arial"/>
-            </a:endParaRPr>
-          </a:p>
-        </p:txBody>
-      </p:sp>
-      <p:sp>
-        <p:nvSpPr>
-          <p:cNvPr id="6" name="object 7"/>
-          <p:cNvSpPr txBox="1">
-            <a:spLocks/>
-          </p:cNvSpPr>
-          <p:nvPr/>
-        </p:nvSpPr>
-        <p:spPr>
-          <a:xfrm>
-            <a:off x="1179677" y="2247900"/>
-            <a:ext cx="15559939" cy="3756798"/>
-          </a:xfrm>
-          <a:prstGeom prst="rect">
-            <a:avLst/>
-          </a:prstGeom>
-        </p:spPr>
-        <p:txBody>
-          <a:bodyPr vert="horz" wrap="square" lIns="0" tIns="12065" rIns="0" bIns="0" rtlCol="0">
-            <a:spAutoFit/>
-          </a:bodyPr>
-          <a:lstStyle>
-            <a:lvl1pPr>
-              <a:defRPr sz="12200" b="0" i="0">
-                <a:solidFill>
-                  <a:schemeClr val="bg1"/>
-                </a:solidFill>
-                <a:latin typeface="Lucida Sans Unicode"/>
-                <a:ea typeface="+mj-ea"/>
-                <a:cs typeface="Lucida Sans Unicode"/>
-              </a:defRPr>
-            </a:lvl1pPr>
-          </a:lstStyle>
-          <a:p>
-            <a:pPr marL="584200" indent="-571500" algn="just">
-              <a:spcBef>
-                <a:spcPts val="95"/>
-              </a:spcBef>
-              <a:buFont typeface="Wingdings" panose="05000000000000000000" pitchFamily="2" charset="2"/>
-              <a:buChar char="§"/>
-            </a:pPr>
-            <a:r>
-              <a:rPr lang="pt-BR" sz="4000" b="1" kern="0" spc="180" dirty="0" smtClean="0">
-                <a:solidFill>
-                  <a:srgbClr val="92D050"/>
-                </a:solidFill>
-                <a:latin typeface="Arial"/>
-                <a:cs typeface="Arial"/>
-              </a:rPr>
-              <a:t>Debug:</a:t>
-            </a:r>
-          </a:p>
-          <a:p>
-            <a:pPr marL="584200" indent="-571500" algn="just">
-              <a:spcBef>
-                <a:spcPts val="95"/>
-              </a:spcBef>
-              <a:buFont typeface="Wingdings" panose="05000000000000000000" pitchFamily="2" charset="2"/>
-              <a:buChar char="§"/>
-            </a:pPr>
-            <a:r>
-              <a:rPr lang="pt-BR" sz="4000" b="1" kern="0" spc="180" dirty="0" smtClean="0">
-                <a:solidFill>
-                  <a:schemeClr val="tx1"/>
-                </a:solidFill>
-                <a:latin typeface="Arial"/>
-                <a:cs typeface="Arial"/>
-              </a:rPr>
-              <a:t>Alguns passos básicos:</a:t>
-            </a:r>
-          </a:p>
-          <a:p>
-            <a:pPr marL="584200" indent="-571500" algn="just">
-              <a:spcBef>
-                <a:spcPts val="95"/>
-              </a:spcBef>
-              <a:buFont typeface="Wingdings" panose="05000000000000000000" pitchFamily="2" charset="2"/>
-              <a:buChar char="§"/>
-            </a:pPr>
-            <a:r>
-              <a:rPr lang="pt-BR" sz="4000" b="1" kern="0" spc="180" dirty="0" smtClean="0">
-                <a:solidFill>
-                  <a:schemeClr val="tx1"/>
-                </a:solidFill>
-                <a:latin typeface="Arial"/>
-                <a:cs typeface="Arial"/>
-              </a:rPr>
-              <a:t>F9   - Selecionar um ponto de parada.</a:t>
-            </a:r>
-          </a:p>
-          <a:p>
-            <a:pPr marL="584200" indent="-571500" algn="just">
-              <a:spcBef>
-                <a:spcPts val="95"/>
-              </a:spcBef>
-              <a:buFont typeface="Wingdings" panose="05000000000000000000" pitchFamily="2" charset="2"/>
-              <a:buChar char="§"/>
-            </a:pPr>
-            <a:r>
-              <a:rPr lang="pt-BR" sz="4000" b="1" kern="0" spc="180" dirty="0" smtClean="0">
-                <a:solidFill>
-                  <a:schemeClr val="tx1"/>
-                </a:solidFill>
-                <a:latin typeface="Arial"/>
-                <a:cs typeface="Arial"/>
-              </a:rPr>
-              <a:t>F10 - Executa a linha atual e pula para próxima linha.</a:t>
-            </a:r>
-          </a:p>
-          <a:p>
-            <a:pPr marL="584200" indent="-571500" algn="just">
-              <a:spcBef>
-                <a:spcPts val="95"/>
-              </a:spcBef>
-              <a:buFont typeface="Wingdings" panose="05000000000000000000" pitchFamily="2" charset="2"/>
-              <a:buChar char="§"/>
-            </a:pPr>
-            <a:r>
-              <a:rPr lang="pt-BR" sz="4000" b="1" kern="0" spc="180" dirty="0" smtClean="0">
-                <a:solidFill>
-                  <a:schemeClr val="tx1"/>
-                </a:solidFill>
-                <a:latin typeface="Arial"/>
-                <a:cs typeface="Arial"/>
-              </a:rPr>
-              <a:t>F11 - </a:t>
-            </a:r>
-            <a:r>
-              <a:rPr lang="pt-BR" sz="4000" b="1" kern="0" spc="180" dirty="0">
-                <a:solidFill>
-                  <a:schemeClr val="tx1"/>
-                </a:solidFill>
-                <a:latin typeface="Arial"/>
-                <a:cs typeface="Arial"/>
-              </a:rPr>
-              <a:t>Executa a linha atual e pula para próxima </a:t>
-            </a:r>
-            <a:r>
-              <a:rPr lang="pt-BR" sz="4000" b="1" kern="0" spc="180" dirty="0" smtClean="0">
-                <a:solidFill>
-                  <a:schemeClr val="tx1"/>
-                </a:solidFill>
-                <a:latin typeface="Arial"/>
-                <a:cs typeface="Arial"/>
-              </a:rPr>
-              <a:t>linha ou entra em funções, etc...</a:t>
-            </a:r>
-          </a:p>
-        </p:txBody>
-      </p:sp>
-    </p:spTree>
-    <p:extLst>
-      <p:ext uri="{BB962C8B-B14F-4D97-AF65-F5344CB8AC3E}">
-        <p14:creationId xmlns:p14="http://schemas.microsoft.com/office/powerpoint/2010/main" val="412287554"/>
-      </p:ext>
-    </p:extLst>
-  </p:cSld>
-  <p:clrMapOvr>
-    <a:masterClrMapping/>
-  </p:clrMapOvr>
-  <p:timing>
-    <p:tnLst>
-      <p:par>
-        <p:cTn id="1" dur="indefinite" restart="never" nodeType="tmRoot"/>
-      </p:par>
-    </p:tnLst>
-  </p:timing>
-</p:sld>
-</file>
-
-<file path=ppt/slides/slide13.xml><?xml version="1.0" encoding="utf-8"?>
-<p:sld xmlns:a="http://schemas.openxmlformats.org/drawingml/2006/main" xmlns:r="http://schemas.openxmlformats.org/officeDocument/2006/relationships" xmlns:p="http://schemas.openxmlformats.org/presentationml/2006/main">
-  <p:cSld>
-    <p:spTree>
-      <p:nvGrpSpPr>
-        <p:cNvPr id="1" name=""/>
-        <p:cNvGrpSpPr/>
-        <p:nvPr/>
-      </p:nvGrpSpPr>
-      <p:grpSpPr>
-        <a:xfrm>
-          <a:off x="0" y="0"/>
-          <a:ext cx="0" cy="0"/>
-          <a:chOff x="0" y="0"/>
-          <a:chExt cx="0" cy="0"/>
-        </a:xfrm>
-      </p:grpSpPr>
-      <p:sp>
-        <p:nvSpPr>
-          <p:cNvPr id="59" name="object 5"/>
-          <p:cNvSpPr/>
-          <p:nvPr/>
-        </p:nvSpPr>
-        <p:spPr>
-          <a:xfrm>
-            <a:off x="838200" y="1943101"/>
-            <a:ext cx="16687800" cy="6629400"/>
-          </a:xfrm>
-          <a:custGeom>
-            <a:avLst/>
-            <a:gdLst/>
-            <a:ahLst/>
-            <a:cxnLst/>
-            <a:rect l="l" t="t" r="r" b="b"/>
-            <a:pathLst>
-              <a:path w="8507094" h="2987040">
-                <a:moveTo>
-                  <a:pt x="8009128" y="0"/>
-                </a:moveTo>
-                <a:lnTo>
-                  <a:pt x="0" y="0"/>
-                </a:lnTo>
-                <a:lnTo>
-                  <a:pt x="0" y="2987040"/>
-                </a:lnTo>
-                <a:lnTo>
-                  <a:pt x="8009128" y="2987040"/>
-                </a:lnTo>
-                <a:lnTo>
-                  <a:pt x="8057074" y="2984761"/>
-                </a:lnTo>
-                <a:lnTo>
-                  <a:pt x="8103730" y="2978063"/>
-                </a:lnTo>
-                <a:lnTo>
-                  <a:pt x="8148889" y="2967155"/>
-                </a:lnTo>
-                <a:lnTo>
-                  <a:pt x="8192340" y="2952246"/>
-                </a:lnTo>
-                <a:lnTo>
-                  <a:pt x="8233876" y="2933543"/>
-                </a:lnTo>
-                <a:lnTo>
-                  <a:pt x="8273288" y="2911257"/>
-                </a:lnTo>
-                <a:lnTo>
-                  <a:pt x="8310367" y="2885594"/>
-                </a:lnTo>
-                <a:lnTo>
-                  <a:pt x="8344905" y="2856765"/>
-                </a:lnTo>
-                <a:lnTo>
-                  <a:pt x="8376693" y="2824977"/>
-                </a:lnTo>
-                <a:lnTo>
-                  <a:pt x="8405522" y="2790439"/>
-                </a:lnTo>
-                <a:lnTo>
-                  <a:pt x="8431185" y="2753360"/>
-                </a:lnTo>
-                <a:lnTo>
-                  <a:pt x="8453471" y="2713948"/>
-                </a:lnTo>
-                <a:lnTo>
-                  <a:pt x="8472174" y="2672412"/>
-                </a:lnTo>
-                <a:lnTo>
-                  <a:pt x="8487083" y="2628961"/>
-                </a:lnTo>
-                <a:lnTo>
-                  <a:pt x="8497991" y="2583802"/>
-                </a:lnTo>
-                <a:lnTo>
-                  <a:pt x="8504689" y="2537146"/>
-                </a:lnTo>
-                <a:lnTo>
-                  <a:pt x="8506968" y="2489200"/>
-                </a:lnTo>
-                <a:lnTo>
-                  <a:pt x="8506968" y="497840"/>
-                </a:lnTo>
-                <a:lnTo>
-                  <a:pt x="8504689" y="449893"/>
-                </a:lnTo>
-                <a:lnTo>
-                  <a:pt x="8497991" y="403237"/>
-                </a:lnTo>
-                <a:lnTo>
-                  <a:pt x="8487083" y="358078"/>
-                </a:lnTo>
-                <a:lnTo>
-                  <a:pt x="8472174" y="314627"/>
-                </a:lnTo>
-                <a:lnTo>
-                  <a:pt x="8453471" y="273091"/>
-                </a:lnTo>
-                <a:lnTo>
-                  <a:pt x="8431185" y="233679"/>
-                </a:lnTo>
-                <a:lnTo>
-                  <a:pt x="8405522" y="196600"/>
-                </a:lnTo>
-                <a:lnTo>
-                  <a:pt x="8376693" y="162062"/>
-                </a:lnTo>
-                <a:lnTo>
-                  <a:pt x="8344905" y="130274"/>
-                </a:lnTo>
-                <a:lnTo>
-                  <a:pt x="8310367" y="101445"/>
-                </a:lnTo>
-                <a:lnTo>
-                  <a:pt x="8273288" y="75782"/>
-                </a:lnTo>
-                <a:lnTo>
-                  <a:pt x="8233876" y="53496"/>
-                </a:lnTo>
-                <a:lnTo>
-                  <a:pt x="8192340" y="34793"/>
-                </a:lnTo>
-                <a:lnTo>
-                  <a:pt x="8148889" y="19884"/>
-                </a:lnTo>
-                <a:lnTo>
-                  <a:pt x="8103730" y="8976"/>
-                </a:lnTo>
-                <a:lnTo>
-                  <a:pt x="8057074" y="2278"/>
-                </a:lnTo>
-                <a:lnTo>
-                  <a:pt x="8009128" y="0"/>
-                </a:lnTo>
-                <a:close/>
-              </a:path>
-            </a:pathLst>
-          </a:custGeom>
-        </p:spPr>
-        <p:style>
-          <a:lnRef idx="2">
-            <a:schemeClr val="accent3"/>
-          </a:lnRef>
-          <a:fillRef idx="1">
-            <a:schemeClr val="lt1"/>
-          </a:fillRef>
-          <a:effectRef idx="0">
-            <a:schemeClr val="accent3"/>
-          </a:effectRef>
-          <a:fontRef idx="minor">
-            <a:schemeClr val="dk1"/>
-          </a:fontRef>
-        </p:style>
-        <p:txBody>
-          <a:bodyPr wrap="square" lIns="0" tIns="0" rIns="0" bIns="0" rtlCol="0"/>
-          <a:lstStyle/>
-          <a:p>
-            <a:endParaRPr/>
-          </a:p>
-        </p:txBody>
-      </p:sp>
-      <p:sp>
-        <p:nvSpPr>
-          <p:cNvPr id="61" name="object 28"/>
-          <p:cNvSpPr txBox="1">
-            <a:spLocks/>
-          </p:cNvSpPr>
-          <p:nvPr/>
-        </p:nvSpPr>
-        <p:spPr>
-          <a:xfrm>
-            <a:off x="838200" y="706068"/>
             <a:ext cx="16687800" cy="943848"/>
           </a:xfrm>
           <a:prstGeom prst="rect">
@@ -3823,7 +3417,7 @@
 </p:sld>
 </file>
 
-<file path=ppt/slides/slide14.xml><?xml version="1.0" encoding="utf-8"?>
+<file path=ppt/slides/slide13.xml><?xml version="1.0" encoding="utf-8"?>
 <p:sld xmlns:a="http://schemas.openxmlformats.org/drawingml/2006/main" xmlns:r="http://schemas.openxmlformats.org/officeDocument/2006/relationships" xmlns:p="http://schemas.openxmlformats.org/presentationml/2006/main">
   <p:cSld>
     <p:spTree>
@@ -4296,7 +3890,7 @@
 </p:sld>
 </file>
 
-<file path=ppt/slides/slide15.xml><?xml version="1.0" encoding="utf-8"?>
+<file path=ppt/slides/slide14.xml><?xml version="1.0" encoding="utf-8"?>
 <p:sld xmlns:a="http://schemas.openxmlformats.org/drawingml/2006/main" xmlns:r="http://schemas.openxmlformats.org/officeDocument/2006/relationships" xmlns:p="http://schemas.openxmlformats.org/presentationml/2006/main">
   <p:cSld>
     <p:spTree>
@@ -6665,397 +6259,6 @@
       </p:sp>
       <p:pic>
         <p:nvPicPr>
-          <p:cNvPr id="3074" name="Picture 2"/>
-          <p:cNvPicPr>
-            <a:picLocks noChangeAspect="1" noChangeArrowheads="1"/>
-          </p:cNvPicPr>
-          <p:nvPr/>
-        </p:nvPicPr>
-        <p:blipFill>
-          <a:blip r:embed="rId2">
-            <a:extLst>
-              <a:ext uri="{28A0092B-C50C-407E-A947-70E740481C1C}">
-                <a14:useLocalDpi xmlns:a14="http://schemas.microsoft.com/office/drawing/2010/main" val="0"/>
-              </a:ext>
-            </a:extLst>
-          </a:blip>
-          <a:srcRect/>
-          <a:stretch>
-            <a:fillRect/>
-          </a:stretch>
-        </p:blipFill>
-        <p:spPr bwMode="auto">
-          <a:xfrm>
-            <a:off x="2856502" y="3015996"/>
-            <a:ext cx="12206288" cy="5277675"/>
-          </a:xfrm>
-          <a:prstGeom prst="rect">
-            <a:avLst/>
-          </a:prstGeom>
-          <a:noFill/>
-          <a:ln>
-            <a:noFill/>
-          </a:ln>
-          <a:effectLst/>
-          <a:extLst>
-            <a:ext uri="{909E8E84-426E-40DD-AFC4-6F175D3DCCD1}">
-              <a14:hiddenFill xmlns:a14="http://schemas.microsoft.com/office/drawing/2010/main">
-                <a:solidFill>
-                  <a:schemeClr val="accent1"/>
-                </a:solidFill>
-              </a14:hiddenFill>
-            </a:ext>
-            <a:ext uri="{91240B29-F687-4F45-9708-019B960494DF}">
-              <a14:hiddenLine xmlns:a14="http://schemas.microsoft.com/office/drawing/2010/main" w="9525">
-                <a:solidFill>
-                  <a:schemeClr val="tx1"/>
-                </a:solidFill>
-                <a:miter lim="800000"/>
-                <a:headEnd/>
-                <a:tailEnd/>
-              </a14:hiddenLine>
-            </a:ext>
-            <a:ext uri="{AF507438-7753-43E0-B8FC-AC1667EBCBE1}">
-              <a14:hiddenEffects xmlns:a14="http://schemas.microsoft.com/office/drawing/2010/main">
-                <a:effectLst>
-                  <a:outerShdw dist="35921" dir="2700000" algn="ctr" rotWithShape="0">
-                    <a:schemeClr val="bg2"/>
-                  </a:outerShdw>
-                </a:effectLst>
-              </a14:hiddenEffects>
-            </a:ext>
-          </a:extLst>
-        </p:spPr>
-      </p:pic>
-    </p:spTree>
-    <p:extLst>
-      <p:ext uri="{BB962C8B-B14F-4D97-AF65-F5344CB8AC3E}">
-        <p14:creationId xmlns:p14="http://schemas.microsoft.com/office/powerpoint/2010/main" val="1882230140"/>
-      </p:ext>
-    </p:extLst>
-  </p:cSld>
-  <p:clrMapOvr>
-    <a:masterClrMapping/>
-  </p:clrMapOvr>
-  <p:timing>
-    <p:tnLst>
-      <p:par>
-        <p:cTn id="1" dur="indefinite" restart="never" nodeType="tmRoot"/>
-      </p:par>
-    </p:tnLst>
-  </p:timing>
-</p:sld>
-</file>
-
-<file path=ppt/slides/slide8.xml><?xml version="1.0" encoding="utf-8"?>
-<p:sld xmlns:a="http://schemas.openxmlformats.org/drawingml/2006/main" xmlns:r="http://schemas.openxmlformats.org/officeDocument/2006/relationships" xmlns:p="http://schemas.openxmlformats.org/presentationml/2006/main">
-  <p:cSld>
-    <p:spTree>
-      <p:nvGrpSpPr>
-        <p:cNvPr id="1" name=""/>
-        <p:cNvGrpSpPr/>
-        <p:nvPr/>
-      </p:nvGrpSpPr>
-      <p:grpSpPr>
-        <a:xfrm>
-          <a:off x="0" y="0"/>
-          <a:ext cx="0" cy="0"/>
-          <a:chOff x="0" y="0"/>
-          <a:chExt cx="0" cy="0"/>
-        </a:xfrm>
-      </p:grpSpPr>
-      <p:sp>
-        <p:nvSpPr>
-          <p:cNvPr id="59" name="object 5"/>
-          <p:cNvSpPr/>
-          <p:nvPr/>
-        </p:nvSpPr>
-        <p:spPr>
-          <a:xfrm>
-            <a:off x="838200" y="1943101"/>
-            <a:ext cx="16687800" cy="6629400"/>
-          </a:xfrm>
-          <a:custGeom>
-            <a:avLst/>
-            <a:gdLst/>
-            <a:ahLst/>
-            <a:cxnLst/>
-            <a:rect l="l" t="t" r="r" b="b"/>
-            <a:pathLst>
-              <a:path w="8507094" h="2987040">
-                <a:moveTo>
-                  <a:pt x="8009128" y="0"/>
-                </a:moveTo>
-                <a:lnTo>
-                  <a:pt x="0" y="0"/>
-                </a:lnTo>
-                <a:lnTo>
-                  <a:pt x="0" y="2987040"/>
-                </a:lnTo>
-                <a:lnTo>
-                  <a:pt x="8009128" y="2987040"/>
-                </a:lnTo>
-                <a:lnTo>
-                  <a:pt x="8057074" y="2984761"/>
-                </a:lnTo>
-                <a:lnTo>
-                  <a:pt x="8103730" y="2978063"/>
-                </a:lnTo>
-                <a:lnTo>
-                  <a:pt x="8148889" y="2967155"/>
-                </a:lnTo>
-                <a:lnTo>
-                  <a:pt x="8192340" y="2952246"/>
-                </a:lnTo>
-                <a:lnTo>
-                  <a:pt x="8233876" y="2933543"/>
-                </a:lnTo>
-                <a:lnTo>
-                  <a:pt x="8273288" y="2911257"/>
-                </a:lnTo>
-                <a:lnTo>
-                  <a:pt x="8310367" y="2885594"/>
-                </a:lnTo>
-                <a:lnTo>
-                  <a:pt x="8344905" y="2856765"/>
-                </a:lnTo>
-                <a:lnTo>
-                  <a:pt x="8376693" y="2824977"/>
-                </a:lnTo>
-                <a:lnTo>
-                  <a:pt x="8405522" y="2790439"/>
-                </a:lnTo>
-                <a:lnTo>
-                  <a:pt x="8431185" y="2753360"/>
-                </a:lnTo>
-                <a:lnTo>
-                  <a:pt x="8453471" y="2713948"/>
-                </a:lnTo>
-                <a:lnTo>
-                  <a:pt x="8472174" y="2672412"/>
-                </a:lnTo>
-                <a:lnTo>
-                  <a:pt x="8487083" y="2628961"/>
-                </a:lnTo>
-                <a:lnTo>
-                  <a:pt x="8497991" y="2583802"/>
-                </a:lnTo>
-                <a:lnTo>
-                  <a:pt x="8504689" y="2537146"/>
-                </a:lnTo>
-                <a:lnTo>
-                  <a:pt x="8506968" y="2489200"/>
-                </a:lnTo>
-                <a:lnTo>
-                  <a:pt x="8506968" y="497840"/>
-                </a:lnTo>
-                <a:lnTo>
-                  <a:pt x="8504689" y="449893"/>
-                </a:lnTo>
-                <a:lnTo>
-                  <a:pt x="8497991" y="403237"/>
-                </a:lnTo>
-                <a:lnTo>
-                  <a:pt x="8487083" y="358078"/>
-                </a:lnTo>
-                <a:lnTo>
-                  <a:pt x="8472174" y="314627"/>
-                </a:lnTo>
-                <a:lnTo>
-                  <a:pt x="8453471" y="273091"/>
-                </a:lnTo>
-                <a:lnTo>
-                  <a:pt x="8431185" y="233679"/>
-                </a:lnTo>
-                <a:lnTo>
-                  <a:pt x="8405522" y="196600"/>
-                </a:lnTo>
-                <a:lnTo>
-                  <a:pt x="8376693" y="162062"/>
-                </a:lnTo>
-                <a:lnTo>
-                  <a:pt x="8344905" y="130274"/>
-                </a:lnTo>
-                <a:lnTo>
-                  <a:pt x="8310367" y="101445"/>
-                </a:lnTo>
-                <a:lnTo>
-                  <a:pt x="8273288" y="75782"/>
-                </a:lnTo>
-                <a:lnTo>
-                  <a:pt x="8233876" y="53496"/>
-                </a:lnTo>
-                <a:lnTo>
-                  <a:pt x="8192340" y="34793"/>
-                </a:lnTo>
-                <a:lnTo>
-                  <a:pt x="8148889" y="19884"/>
-                </a:lnTo>
-                <a:lnTo>
-                  <a:pt x="8103730" y="8976"/>
-                </a:lnTo>
-                <a:lnTo>
-                  <a:pt x="8057074" y="2278"/>
-                </a:lnTo>
-                <a:lnTo>
-                  <a:pt x="8009128" y="0"/>
-                </a:lnTo>
-                <a:close/>
-              </a:path>
-            </a:pathLst>
-          </a:custGeom>
-        </p:spPr>
-        <p:style>
-          <a:lnRef idx="2">
-            <a:schemeClr val="accent3"/>
-          </a:lnRef>
-          <a:fillRef idx="1">
-            <a:schemeClr val="lt1"/>
-          </a:fillRef>
-          <a:effectRef idx="0">
-            <a:schemeClr val="accent3"/>
-          </a:effectRef>
-          <a:fontRef idx="minor">
-            <a:schemeClr val="dk1"/>
-          </a:fontRef>
-        </p:style>
-        <p:txBody>
-          <a:bodyPr wrap="square" lIns="0" tIns="0" rIns="0" bIns="0" rtlCol="0"/>
-          <a:lstStyle/>
-          <a:p>
-            <a:endParaRPr/>
-          </a:p>
-        </p:txBody>
-      </p:sp>
-      <p:sp>
-        <p:nvSpPr>
-          <p:cNvPr id="61" name="object 28"/>
-          <p:cNvSpPr txBox="1">
-            <a:spLocks/>
-          </p:cNvSpPr>
-          <p:nvPr/>
-        </p:nvSpPr>
-        <p:spPr>
-          <a:xfrm>
-            <a:off x="838200" y="706068"/>
-            <a:ext cx="13715899" cy="943848"/>
-          </a:xfrm>
-          <a:prstGeom prst="rect">
-            <a:avLst/>
-          </a:prstGeom>
-        </p:spPr>
-        <p:txBody>
-          <a:bodyPr vert="horz" wrap="square" lIns="0" tIns="12700" rIns="0" bIns="0" rtlCol="0">
-            <a:spAutoFit/>
-          </a:bodyPr>
-          <a:lstStyle>
-            <a:lvl1pPr>
-              <a:defRPr sz="12200" b="0" i="0">
-                <a:solidFill>
-                  <a:schemeClr val="bg1"/>
-                </a:solidFill>
-                <a:latin typeface="Lucida Sans Unicode"/>
-                <a:ea typeface="+mj-ea"/>
-                <a:cs typeface="Lucida Sans Unicode"/>
-              </a:defRPr>
-            </a:lvl1pPr>
-          </a:lstStyle>
-          <a:p>
-            <a:pPr marL="12700">
-              <a:spcBef>
-                <a:spcPts val="100"/>
-              </a:spcBef>
-            </a:pPr>
-            <a:r>
-              <a:rPr lang="pt-BR" sz="6050" b="1" kern="0" spc="270" dirty="0" smtClean="0">
-                <a:solidFill>
-                  <a:srgbClr val="69EB00"/>
-                </a:solidFill>
-                <a:latin typeface="Arial"/>
-                <a:cs typeface="Arial"/>
-              </a:rPr>
-              <a:t>IDE</a:t>
-            </a:r>
-            <a:endParaRPr lang="pt-BR" sz="6050" kern="0" dirty="0">
-              <a:latin typeface="Arial"/>
-              <a:cs typeface="Arial"/>
-            </a:endParaRPr>
-          </a:p>
-        </p:txBody>
-      </p:sp>
-      <p:sp>
-        <p:nvSpPr>
-          <p:cNvPr id="5" name="object 7"/>
-          <p:cNvSpPr txBox="1">
-            <a:spLocks/>
-          </p:cNvSpPr>
-          <p:nvPr/>
-        </p:nvSpPr>
-        <p:spPr>
-          <a:xfrm>
-            <a:off x="1179677" y="2247900"/>
-            <a:ext cx="15559939" cy="627736"/>
-          </a:xfrm>
-          <a:prstGeom prst="rect">
-            <a:avLst/>
-          </a:prstGeom>
-        </p:spPr>
-        <p:txBody>
-          <a:bodyPr vert="horz" wrap="square" lIns="0" tIns="12065" rIns="0" bIns="0" rtlCol="0">
-            <a:spAutoFit/>
-          </a:bodyPr>
-          <a:lstStyle>
-            <a:lvl1pPr>
-              <a:defRPr sz="12200" b="0" i="0">
-                <a:solidFill>
-                  <a:schemeClr val="bg1"/>
-                </a:solidFill>
-                <a:latin typeface="Lucida Sans Unicode"/>
-                <a:ea typeface="+mj-ea"/>
-                <a:cs typeface="Lucida Sans Unicode"/>
-              </a:defRPr>
-            </a:lvl1pPr>
-          </a:lstStyle>
-          <a:p>
-            <a:pPr marL="584200" indent="-571500" algn="just">
-              <a:spcBef>
-                <a:spcPts val="95"/>
-              </a:spcBef>
-              <a:buFont typeface="Wingdings" panose="05000000000000000000" pitchFamily="2" charset="2"/>
-              <a:buChar char="§"/>
-            </a:pPr>
-            <a:r>
-              <a:rPr lang="pt-BR" sz="4000" b="1" kern="0" spc="180" dirty="0" smtClean="0">
-                <a:solidFill>
-                  <a:srgbClr val="92D050"/>
-                </a:solidFill>
-                <a:latin typeface="Arial"/>
-                <a:cs typeface="Arial"/>
-              </a:rPr>
-              <a:t>Visual </a:t>
-            </a:r>
-            <a:r>
-              <a:rPr lang="pt-BR" sz="4000" b="1" kern="0" spc="180" smtClean="0">
-                <a:solidFill>
-                  <a:srgbClr val="92D050"/>
-                </a:solidFill>
-                <a:latin typeface="Arial"/>
-                <a:cs typeface="Arial"/>
-              </a:rPr>
-              <a:t>Studio:</a:t>
-            </a:r>
-            <a:endParaRPr lang="pt-BR" sz="4000" b="1" kern="0" spc="180" dirty="0" smtClean="0">
-              <a:solidFill>
-                <a:srgbClr val="92D050"/>
-              </a:solidFill>
-              <a:latin typeface="Arial"/>
-              <a:cs typeface="Arial"/>
-            </a:endParaRPr>
-          </a:p>
-        </p:txBody>
-      </p:sp>
-      <p:pic>
-        <p:nvPicPr>
           <p:cNvPr id="4098" name="Picture 2"/>
           <p:cNvPicPr>
             <a:picLocks noChangeAspect="1" noChangeArrowheads="1"/>
@@ -7138,7 +6341,7 @@
 </p:sld>
 </file>
 
-<file path=ppt/slides/slide9.xml><?xml version="1.0" encoding="utf-8"?>
+<file path=ppt/slides/slide8.xml><?xml version="1.0" encoding="utf-8"?>
 <p:sld xmlns:a="http://schemas.openxmlformats.org/drawingml/2006/main" xmlns:r="http://schemas.openxmlformats.org/officeDocument/2006/relationships" xmlns:p="http://schemas.openxmlformats.org/presentationml/2006/main">
   <p:cSld>
     <p:spTree>
@@ -7527,6 +6730,411 @@
     <p:extLst>
       <p:ext uri="{BB962C8B-B14F-4D97-AF65-F5344CB8AC3E}">
         <p14:creationId xmlns:p14="http://schemas.microsoft.com/office/powerpoint/2010/main" val="1888969491"/>
+      </p:ext>
+    </p:extLst>
+  </p:cSld>
+  <p:clrMapOvr>
+    <a:masterClrMapping/>
+  </p:clrMapOvr>
+  <p:timing>
+    <p:tnLst>
+      <p:par>
+        <p:cTn id="1" dur="indefinite" restart="never" nodeType="tmRoot"/>
+      </p:par>
+    </p:tnLst>
+  </p:timing>
+</p:sld>
+</file>
+
+<file path=ppt/slides/slide9.xml><?xml version="1.0" encoding="utf-8"?>
+<p:sld xmlns:a="http://schemas.openxmlformats.org/drawingml/2006/main" xmlns:r="http://schemas.openxmlformats.org/officeDocument/2006/relationships" xmlns:p="http://schemas.openxmlformats.org/presentationml/2006/main">
+  <p:cSld>
+    <p:spTree>
+      <p:nvGrpSpPr>
+        <p:cNvPr id="1" name=""/>
+        <p:cNvGrpSpPr/>
+        <p:nvPr/>
+      </p:nvGrpSpPr>
+      <p:grpSpPr>
+        <a:xfrm>
+          <a:off x="0" y="0"/>
+          <a:ext cx="0" cy="0"/>
+          <a:chOff x="0" y="0"/>
+          <a:chExt cx="0" cy="0"/>
+        </a:xfrm>
+      </p:grpSpPr>
+      <p:sp>
+        <p:nvSpPr>
+          <p:cNvPr id="59" name="object 5"/>
+          <p:cNvSpPr/>
+          <p:nvPr/>
+        </p:nvSpPr>
+        <p:spPr>
+          <a:xfrm>
+            <a:off x="838200" y="1943101"/>
+            <a:ext cx="16687800" cy="6629400"/>
+          </a:xfrm>
+          <a:custGeom>
+            <a:avLst/>
+            <a:gdLst/>
+            <a:ahLst/>
+            <a:cxnLst/>
+            <a:rect l="l" t="t" r="r" b="b"/>
+            <a:pathLst>
+              <a:path w="8507094" h="2987040">
+                <a:moveTo>
+                  <a:pt x="8009128" y="0"/>
+                </a:moveTo>
+                <a:lnTo>
+                  <a:pt x="0" y="0"/>
+                </a:lnTo>
+                <a:lnTo>
+                  <a:pt x="0" y="2987040"/>
+                </a:lnTo>
+                <a:lnTo>
+                  <a:pt x="8009128" y="2987040"/>
+                </a:lnTo>
+                <a:lnTo>
+                  <a:pt x="8057074" y="2984761"/>
+                </a:lnTo>
+                <a:lnTo>
+                  <a:pt x="8103730" y="2978063"/>
+                </a:lnTo>
+                <a:lnTo>
+                  <a:pt x="8148889" y="2967155"/>
+                </a:lnTo>
+                <a:lnTo>
+                  <a:pt x="8192340" y="2952246"/>
+                </a:lnTo>
+                <a:lnTo>
+                  <a:pt x="8233876" y="2933543"/>
+                </a:lnTo>
+                <a:lnTo>
+                  <a:pt x="8273288" y="2911257"/>
+                </a:lnTo>
+                <a:lnTo>
+                  <a:pt x="8310367" y="2885594"/>
+                </a:lnTo>
+                <a:lnTo>
+                  <a:pt x="8344905" y="2856765"/>
+                </a:lnTo>
+                <a:lnTo>
+                  <a:pt x="8376693" y="2824977"/>
+                </a:lnTo>
+                <a:lnTo>
+                  <a:pt x="8405522" y="2790439"/>
+                </a:lnTo>
+                <a:lnTo>
+                  <a:pt x="8431185" y="2753360"/>
+                </a:lnTo>
+                <a:lnTo>
+                  <a:pt x="8453471" y="2713948"/>
+                </a:lnTo>
+                <a:lnTo>
+                  <a:pt x="8472174" y="2672412"/>
+                </a:lnTo>
+                <a:lnTo>
+                  <a:pt x="8487083" y="2628961"/>
+                </a:lnTo>
+                <a:lnTo>
+                  <a:pt x="8497991" y="2583802"/>
+                </a:lnTo>
+                <a:lnTo>
+                  <a:pt x="8504689" y="2537146"/>
+                </a:lnTo>
+                <a:lnTo>
+                  <a:pt x="8506968" y="2489200"/>
+                </a:lnTo>
+                <a:lnTo>
+                  <a:pt x="8506968" y="497840"/>
+                </a:lnTo>
+                <a:lnTo>
+                  <a:pt x="8504689" y="449893"/>
+                </a:lnTo>
+                <a:lnTo>
+                  <a:pt x="8497991" y="403237"/>
+                </a:lnTo>
+                <a:lnTo>
+                  <a:pt x="8487083" y="358078"/>
+                </a:lnTo>
+                <a:lnTo>
+                  <a:pt x="8472174" y="314627"/>
+                </a:lnTo>
+                <a:lnTo>
+                  <a:pt x="8453471" y="273091"/>
+                </a:lnTo>
+                <a:lnTo>
+                  <a:pt x="8431185" y="233679"/>
+                </a:lnTo>
+                <a:lnTo>
+                  <a:pt x="8405522" y="196600"/>
+                </a:lnTo>
+                <a:lnTo>
+                  <a:pt x="8376693" y="162062"/>
+                </a:lnTo>
+                <a:lnTo>
+                  <a:pt x="8344905" y="130274"/>
+                </a:lnTo>
+                <a:lnTo>
+                  <a:pt x="8310367" y="101445"/>
+                </a:lnTo>
+                <a:lnTo>
+                  <a:pt x="8273288" y="75782"/>
+                </a:lnTo>
+                <a:lnTo>
+                  <a:pt x="8233876" y="53496"/>
+                </a:lnTo>
+                <a:lnTo>
+                  <a:pt x="8192340" y="34793"/>
+                </a:lnTo>
+                <a:lnTo>
+                  <a:pt x="8148889" y="19884"/>
+                </a:lnTo>
+                <a:lnTo>
+                  <a:pt x="8103730" y="8976"/>
+                </a:lnTo>
+                <a:lnTo>
+                  <a:pt x="8057074" y="2278"/>
+                </a:lnTo>
+                <a:lnTo>
+                  <a:pt x="8009128" y="0"/>
+                </a:lnTo>
+                <a:close/>
+              </a:path>
+            </a:pathLst>
+          </a:custGeom>
+        </p:spPr>
+        <p:style>
+          <a:lnRef idx="2">
+            <a:schemeClr val="accent3"/>
+          </a:lnRef>
+          <a:fillRef idx="1">
+            <a:schemeClr val="lt1"/>
+          </a:fillRef>
+          <a:effectRef idx="0">
+            <a:schemeClr val="accent3"/>
+          </a:effectRef>
+          <a:fontRef idx="minor">
+            <a:schemeClr val="dk1"/>
+          </a:fontRef>
+        </p:style>
+        <p:txBody>
+          <a:bodyPr wrap="square" lIns="0" tIns="0" rIns="0" bIns="0" rtlCol="0"/>
+          <a:lstStyle/>
+          <a:p>
+            <a:endParaRPr/>
+          </a:p>
+        </p:txBody>
+      </p:sp>
+      <p:sp>
+        <p:nvSpPr>
+          <p:cNvPr id="61" name="object 28"/>
+          <p:cNvSpPr txBox="1">
+            <a:spLocks/>
+          </p:cNvSpPr>
+          <p:nvPr/>
+        </p:nvSpPr>
+        <p:spPr>
+          <a:xfrm>
+            <a:off x="838200" y="706068"/>
+            <a:ext cx="13715899" cy="943848"/>
+          </a:xfrm>
+          <a:prstGeom prst="rect">
+            <a:avLst/>
+          </a:prstGeom>
+        </p:spPr>
+        <p:txBody>
+          <a:bodyPr vert="horz" wrap="square" lIns="0" tIns="12700" rIns="0" bIns="0" rtlCol="0">
+            <a:spAutoFit/>
+          </a:bodyPr>
+          <a:lstStyle>
+            <a:lvl1pPr>
+              <a:defRPr sz="12200" b="0" i="0">
+                <a:solidFill>
+                  <a:schemeClr val="bg1"/>
+                </a:solidFill>
+                <a:latin typeface="Lucida Sans Unicode"/>
+                <a:ea typeface="+mj-ea"/>
+                <a:cs typeface="Lucida Sans Unicode"/>
+              </a:defRPr>
+            </a:lvl1pPr>
+          </a:lstStyle>
+          <a:p>
+            <a:pPr marL="12700">
+              <a:spcBef>
+                <a:spcPts val="100"/>
+              </a:spcBef>
+            </a:pPr>
+            <a:r>
+              <a:rPr lang="pt-BR" sz="6050" b="1" kern="0" spc="270" dirty="0" smtClean="0">
+                <a:solidFill>
+                  <a:srgbClr val="69EB00"/>
+                </a:solidFill>
+                <a:latin typeface="Arial"/>
+                <a:cs typeface="Arial"/>
+              </a:rPr>
+              <a:t>IDE</a:t>
+            </a:r>
+            <a:endParaRPr lang="pt-BR" sz="6050" kern="0" dirty="0">
+              <a:latin typeface="Arial"/>
+              <a:cs typeface="Arial"/>
+            </a:endParaRPr>
+          </a:p>
+        </p:txBody>
+      </p:sp>
+      <p:sp>
+        <p:nvSpPr>
+          <p:cNvPr id="6" name="object 7"/>
+          <p:cNvSpPr txBox="1">
+            <a:spLocks/>
+          </p:cNvSpPr>
+          <p:nvPr/>
+        </p:nvSpPr>
+        <p:spPr>
+          <a:xfrm>
+            <a:off x="1179677" y="2247900"/>
+            <a:ext cx="15559939" cy="3769622"/>
+          </a:xfrm>
+          <a:prstGeom prst="rect">
+            <a:avLst/>
+          </a:prstGeom>
+        </p:spPr>
+        <p:txBody>
+          <a:bodyPr vert="horz" wrap="square" lIns="0" tIns="12065" rIns="0" bIns="0" rtlCol="0">
+            <a:spAutoFit/>
+          </a:bodyPr>
+          <a:lstStyle>
+            <a:lvl1pPr>
+              <a:defRPr sz="12200" b="0" i="0">
+                <a:solidFill>
+                  <a:schemeClr val="bg1"/>
+                </a:solidFill>
+                <a:latin typeface="Lucida Sans Unicode"/>
+                <a:ea typeface="+mj-ea"/>
+                <a:cs typeface="Lucida Sans Unicode"/>
+              </a:defRPr>
+            </a:lvl1pPr>
+          </a:lstStyle>
+          <a:p>
+            <a:pPr marL="584200" indent="-571500" algn="just">
+              <a:spcBef>
+                <a:spcPts val="95"/>
+              </a:spcBef>
+              <a:buFont typeface="Wingdings" panose="05000000000000000000" pitchFamily="2" charset="2"/>
+              <a:buChar char="§"/>
+            </a:pPr>
+            <a:r>
+              <a:rPr lang="pt-BR" sz="4000" b="1" kern="0" spc="180" dirty="0" smtClean="0">
+                <a:solidFill>
+                  <a:srgbClr val="92D050"/>
+                </a:solidFill>
+                <a:latin typeface="Arial"/>
+                <a:cs typeface="Arial"/>
+              </a:rPr>
+              <a:t>Tipos de projetos:</a:t>
+            </a:r>
+          </a:p>
+          <a:p>
+            <a:pPr marL="584200" indent="-571500" algn="just">
+              <a:spcBef>
+                <a:spcPts val="95"/>
+              </a:spcBef>
+              <a:buFont typeface="Wingdings" panose="05000000000000000000" pitchFamily="2" charset="2"/>
+              <a:buChar char="§"/>
+            </a:pPr>
+            <a:r>
+              <a:rPr lang="pt-BR" sz="4000" b="1" kern="0" spc="180" dirty="0" smtClean="0">
+                <a:solidFill>
+                  <a:schemeClr val="tx1"/>
+                </a:solidFill>
+                <a:latin typeface="Arial"/>
+                <a:cs typeface="Arial"/>
+              </a:rPr>
+              <a:t>Web</a:t>
+            </a:r>
+          </a:p>
+          <a:p>
+            <a:pPr marL="584200" indent="-571500" algn="just">
+              <a:spcBef>
+                <a:spcPts val="95"/>
+              </a:spcBef>
+              <a:buFont typeface="Wingdings" panose="05000000000000000000" pitchFamily="2" charset="2"/>
+              <a:buChar char="§"/>
+            </a:pPr>
+            <a:r>
+              <a:rPr lang="pt-BR" sz="4000" b="1" kern="0" spc="180" dirty="0" smtClean="0">
+                <a:solidFill>
+                  <a:schemeClr val="tx1"/>
+                </a:solidFill>
+                <a:latin typeface="Arial"/>
+                <a:cs typeface="Arial"/>
+              </a:rPr>
+              <a:t>Desktop</a:t>
+            </a:r>
+          </a:p>
+          <a:p>
+            <a:pPr marL="584200" indent="-571500" algn="just">
+              <a:spcBef>
+                <a:spcPts val="95"/>
+              </a:spcBef>
+              <a:buFont typeface="Wingdings" panose="05000000000000000000" pitchFamily="2" charset="2"/>
+              <a:buChar char="§"/>
+            </a:pPr>
+            <a:r>
+              <a:rPr lang="pt-BR" sz="4000" b="1" kern="0" spc="180" dirty="0" smtClean="0">
+                <a:solidFill>
+                  <a:schemeClr val="tx1"/>
+                </a:solidFill>
+                <a:latin typeface="Arial"/>
+                <a:cs typeface="Arial"/>
+              </a:rPr>
+              <a:t>Mobile</a:t>
+            </a:r>
+          </a:p>
+          <a:p>
+            <a:pPr marL="584200" indent="-571500" algn="just">
+              <a:spcBef>
+                <a:spcPts val="95"/>
+              </a:spcBef>
+              <a:buFont typeface="Wingdings" panose="05000000000000000000" pitchFamily="2" charset="2"/>
+              <a:buChar char="§"/>
+            </a:pPr>
+            <a:r>
+              <a:rPr lang="pt-BR" sz="4000" b="1" kern="0" spc="180" dirty="0" smtClean="0">
+                <a:solidFill>
+                  <a:schemeClr val="tx1"/>
+                </a:solidFill>
+                <a:latin typeface="Arial"/>
+                <a:cs typeface="Arial"/>
+              </a:rPr>
+              <a:t>Híbridos, etc...</a:t>
+            </a:r>
+          </a:p>
+          <a:p>
+            <a:pPr marL="584200" indent="-571500" algn="just">
+              <a:spcBef>
+                <a:spcPts val="95"/>
+              </a:spcBef>
+              <a:buFont typeface="Wingdings" panose="05000000000000000000" pitchFamily="2" charset="2"/>
+              <a:buChar char="§"/>
+            </a:pPr>
+            <a:r>
+              <a:rPr lang="pt-BR" sz="4000" b="1" kern="0" spc="180" dirty="0" smtClean="0">
+                <a:solidFill>
+                  <a:schemeClr val="tx1"/>
+                </a:solidFill>
+                <a:latin typeface="Arial"/>
+                <a:cs typeface="Arial"/>
+              </a:rPr>
+              <a:t>Várias Linguagens</a:t>
+            </a:r>
+          </a:p>
+        </p:txBody>
+      </p:sp>
+    </p:spTree>
+    <p:extLst>
+      <p:ext uri="{BB962C8B-B14F-4D97-AF65-F5344CB8AC3E}">
+        <p14:creationId xmlns:p14="http://schemas.microsoft.com/office/powerpoint/2010/main" val="676254545"/>
       </p:ext>
     </p:extLst>
   </p:cSld>
